--- a/Lesson3/StoredProcedures.pptx
+++ b/Lesson3/StoredProcedures.pptx
@@ -9,12 +9,8 @@
     <p:sldId id="257" r:id="rId3"/>
     <p:sldId id="258" r:id="rId4"/>
     <p:sldId id="259" r:id="rId5"/>
-    <p:sldId id="266" r:id="rId6"/>
-    <p:sldId id="261" r:id="rId7"/>
-    <p:sldId id="262" r:id="rId8"/>
-    <p:sldId id="263" r:id="rId9"/>
-    <p:sldId id="264" r:id="rId10"/>
-    <p:sldId id="265" r:id="rId11"/>
+    <p:sldId id="261" r:id="rId6"/>
+    <p:sldId id="262" r:id="rId7"/>
   </p:sldIdLst>
   <p:sldSz cx="12192000" cy="6858000"/>
   <p:notesSz cx="6858000" cy="9144000"/>
@@ -268,7 +264,7 @@
           <a:p>
             <a:fld id="{581FEC1F-FA43-4C00-B044-BF370EABF0C3}" type="datetimeFigureOut">
               <a:rPr lang="en-US" smtClean="0"/>
-              <a:t>4/30/2019</a:t>
+              <a:t>6/2/2021</a:t>
             </a:fld>
             <a:endParaRPr lang="en-US"/>
           </a:p>
@@ -466,7 +462,7 @@
           <a:p>
             <a:fld id="{581FEC1F-FA43-4C00-B044-BF370EABF0C3}" type="datetimeFigureOut">
               <a:rPr lang="en-US" smtClean="0"/>
-              <a:t>4/30/2019</a:t>
+              <a:t>6/2/2021</a:t>
             </a:fld>
             <a:endParaRPr lang="en-US"/>
           </a:p>
@@ -674,7 +670,7 @@
           <a:p>
             <a:fld id="{581FEC1F-FA43-4C00-B044-BF370EABF0C3}" type="datetimeFigureOut">
               <a:rPr lang="en-US" smtClean="0"/>
-              <a:t>4/30/2019</a:t>
+              <a:t>6/2/2021</a:t>
             </a:fld>
             <a:endParaRPr lang="en-US"/>
           </a:p>
@@ -872,7 +868,7 @@
           <a:p>
             <a:fld id="{581FEC1F-FA43-4C00-B044-BF370EABF0C3}" type="datetimeFigureOut">
               <a:rPr lang="en-US" smtClean="0"/>
-              <a:t>4/30/2019</a:t>
+              <a:t>6/2/2021</a:t>
             </a:fld>
             <a:endParaRPr lang="en-US"/>
           </a:p>
@@ -1147,7 +1143,7 @@
           <a:p>
             <a:fld id="{581FEC1F-FA43-4C00-B044-BF370EABF0C3}" type="datetimeFigureOut">
               <a:rPr lang="en-US" smtClean="0"/>
-              <a:t>4/30/2019</a:t>
+              <a:t>6/2/2021</a:t>
             </a:fld>
             <a:endParaRPr lang="en-US"/>
           </a:p>
@@ -1412,7 +1408,7 @@
           <a:p>
             <a:fld id="{581FEC1F-FA43-4C00-B044-BF370EABF0C3}" type="datetimeFigureOut">
               <a:rPr lang="en-US" smtClean="0"/>
-              <a:t>4/30/2019</a:t>
+              <a:t>6/2/2021</a:t>
             </a:fld>
             <a:endParaRPr lang="en-US"/>
           </a:p>
@@ -1824,7 +1820,7 @@
           <a:p>
             <a:fld id="{581FEC1F-FA43-4C00-B044-BF370EABF0C3}" type="datetimeFigureOut">
               <a:rPr lang="en-US" smtClean="0"/>
-              <a:t>4/30/2019</a:t>
+              <a:t>6/2/2021</a:t>
             </a:fld>
             <a:endParaRPr lang="en-US"/>
           </a:p>
@@ -1965,7 +1961,7 @@
           <a:p>
             <a:fld id="{581FEC1F-FA43-4C00-B044-BF370EABF0C3}" type="datetimeFigureOut">
               <a:rPr lang="en-US" smtClean="0"/>
-              <a:t>4/30/2019</a:t>
+              <a:t>6/2/2021</a:t>
             </a:fld>
             <a:endParaRPr lang="en-US"/>
           </a:p>
@@ -2078,7 +2074,7 @@
           <a:p>
             <a:fld id="{581FEC1F-FA43-4C00-B044-BF370EABF0C3}" type="datetimeFigureOut">
               <a:rPr lang="en-US" smtClean="0"/>
-              <a:t>4/30/2019</a:t>
+              <a:t>6/2/2021</a:t>
             </a:fld>
             <a:endParaRPr lang="en-US"/>
           </a:p>
@@ -2389,7 +2385,7 @@
           <a:p>
             <a:fld id="{581FEC1F-FA43-4C00-B044-BF370EABF0C3}" type="datetimeFigureOut">
               <a:rPr lang="en-US" smtClean="0"/>
-              <a:t>4/30/2019</a:t>
+              <a:t>6/2/2021</a:t>
             </a:fld>
             <a:endParaRPr lang="en-US"/>
           </a:p>
@@ -2677,7 +2673,7 @@
           <a:p>
             <a:fld id="{581FEC1F-FA43-4C00-B044-BF370EABF0C3}" type="datetimeFigureOut">
               <a:rPr lang="en-US" smtClean="0"/>
-              <a:t>4/30/2019</a:t>
+              <a:t>6/2/2021</a:t>
             </a:fld>
             <a:endParaRPr lang="en-US"/>
           </a:p>
@@ -2918,7 +2914,7 @@
           <a:p>
             <a:fld id="{581FEC1F-FA43-4C00-B044-BF370EABF0C3}" type="datetimeFigureOut">
               <a:rPr lang="en-US" smtClean="0"/>
-              <a:t>4/30/2019</a:t>
+              <a:t>6/2/2021</a:t>
             </a:fld>
             <a:endParaRPr lang="en-US"/>
           </a:p>
@@ -3420,547 +3416,6 @@
 </p:sld>
 </file>
 
-<file path=ppt/slides/slide10.xml><?xml version="1.0" encoding="utf-8"?>
-<p:sld xmlns:a="http://schemas.openxmlformats.org/drawingml/2006/main" xmlns:r="http://schemas.openxmlformats.org/officeDocument/2006/relationships" xmlns:p="http://schemas.openxmlformats.org/presentationml/2006/main">
-  <p:cSld>
-    <p:spTree>
-      <p:nvGrpSpPr>
-        <p:cNvPr id="1" name=""/>
-        <p:cNvGrpSpPr/>
-        <p:nvPr/>
-      </p:nvGrpSpPr>
-      <p:grpSpPr>
-        <a:xfrm>
-          <a:off x="0" y="0"/>
-          <a:ext cx="0" cy="0"/>
-          <a:chOff x="0" y="0"/>
-          <a:chExt cx="0" cy="0"/>
-        </a:xfrm>
-      </p:grpSpPr>
-      <p:sp>
-        <p:nvSpPr>
-          <p:cNvPr id="2" name="Title 1">
-            <a:extLst>
-              <a:ext uri="{FF2B5EF4-FFF2-40B4-BE49-F238E27FC236}">
-                <a16:creationId xmlns:a16="http://schemas.microsoft.com/office/drawing/2014/main" id="{261BCA35-3B9C-426A-8DA0-A97CB6CF26EC}"/>
-              </a:ext>
-            </a:extLst>
-          </p:cNvPr>
-          <p:cNvSpPr>
-            <a:spLocks noGrp="1"/>
-          </p:cNvSpPr>
-          <p:nvPr>
-            <p:ph type="title"/>
-          </p:nvPr>
-        </p:nvSpPr>
-        <p:spPr/>
-        <p:txBody>
-          <a:bodyPr/>
-          <a:lstStyle/>
-          <a:p>
-            <a:r>
-              <a:rPr lang="en-US" b="1" dirty="0"/>
-              <a:t>Example: </a:t>
-            </a:r>
-            <a:r>
-              <a:rPr lang="en-US" dirty="0"/>
-              <a:t>apply the given discount to the eligible purchases</a:t>
-            </a:r>
-          </a:p>
-        </p:txBody>
-      </p:sp>
-      <p:sp>
-        <p:nvSpPr>
-          <p:cNvPr id="3" name="Content Placeholder 2">
-            <a:extLst>
-              <a:ext uri="{FF2B5EF4-FFF2-40B4-BE49-F238E27FC236}">
-                <a16:creationId xmlns:a16="http://schemas.microsoft.com/office/drawing/2014/main" id="{EE40AFA5-E9F1-4B57-923D-FFDA58AB1BDE}"/>
-              </a:ext>
-            </a:extLst>
-          </p:cNvPr>
-          <p:cNvSpPr>
-            <a:spLocks noGrp="1"/>
-          </p:cNvSpPr>
-          <p:nvPr>
-            <p:ph idx="1"/>
-          </p:nvPr>
-        </p:nvSpPr>
-        <p:spPr/>
-        <p:txBody>
-          <a:bodyPr>
-            <a:normAutofit fontScale="77500" lnSpcReduction="20000"/>
-          </a:bodyPr>
-          <a:lstStyle/>
-          <a:p>
-            <a:pPr marL="0" indent="0">
-              <a:buNone/>
-            </a:pPr>
-            <a:r>
-              <a:rPr lang="en-US" dirty="0">
-                <a:solidFill>
-                  <a:srgbClr val="0070C0"/>
-                </a:solidFill>
-              </a:rPr>
-              <a:t>declare </a:t>
-            </a:r>
-            <a:r>
-              <a:rPr lang="en-US" dirty="0">
-                <a:solidFill>
-                  <a:srgbClr val="00B050"/>
-                </a:solidFill>
-              </a:rPr>
-              <a:t>@Discount </a:t>
-            </a:r>
-            <a:r>
-              <a:rPr lang="en-US" dirty="0">
-                <a:solidFill>
-                  <a:srgbClr val="0070C0"/>
-                </a:solidFill>
-              </a:rPr>
-              <a:t>numeric(10,2)  = 0.10</a:t>
-            </a:r>
-          </a:p>
-          <a:p>
-            <a:pPr marL="0" indent="0">
-              <a:buNone/>
-            </a:pPr>
-            <a:r>
-              <a:rPr lang="en-US" dirty="0">
-                <a:solidFill>
-                  <a:srgbClr val="0070C0"/>
-                </a:solidFill>
-              </a:rPr>
-              <a:t>declare </a:t>
-            </a:r>
-            <a:r>
-              <a:rPr lang="en-US" dirty="0">
-                <a:solidFill>
-                  <a:srgbClr val="00B050"/>
-                </a:solidFill>
-              </a:rPr>
-              <a:t>@</a:t>
-            </a:r>
-            <a:r>
-              <a:rPr lang="en-US" dirty="0" err="1">
-                <a:solidFill>
-                  <a:srgbClr val="00B050"/>
-                </a:solidFill>
-              </a:rPr>
-              <a:t>EligibleAmount</a:t>
-            </a:r>
-            <a:r>
-              <a:rPr lang="en-US" dirty="0">
-                <a:solidFill>
-                  <a:srgbClr val="00B050"/>
-                </a:solidFill>
-              </a:rPr>
-              <a:t>  </a:t>
-            </a:r>
-            <a:r>
-              <a:rPr lang="en-US" dirty="0">
-                <a:solidFill>
-                  <a:srgbClr val="0070C0"/>
-                </a:solidFill>
-              </a:rPr>
-              <a:t>numeric(10,2) = 500</a:t>
-            </a:r>
-          </a:p>
-          <a:p>
-            <a:pPr marL="0" indent="0">
-              <a:buNone/>
-            </a:pPr>
-            <a:endParaRPr lang="en-US" dirty="0">
-              <a:solidFill>
-                <a:srgbClr val="0070C0"/>
-              </a:solidFill>
-            </a:endParaRPr>
-          </a:p>
-          <a:p>
-            <a:pPr marL="0" indent="0">
-              <a:buNone/>
-            </a:pPr>
-            <a:r>
-              <a:rPr lang="en-US" dirty="0">
-                <a:solidFill>
-                  <a:srgbClr val="0070C0"/>
-                </a:solidFill>
-              </a:rPr>
-              <a:t>select </a:t>
-            </a:r>
-          </a:p>
-          <a:p>
-            <a:pPr marL="0" indent="0">
-              <a:buNone/>
-            </a:pPr>
-            <a:r>
-              <a:rPr lang="en-US" dirty="0">
-                <a:solidFill>
-                  <a:srgbClr val="0070C0"/>
-                </a:solidFill>
-              </a:rPr>
-              <a:t>	</a:t>
-            </a:r>
-            <a:r>
-              <a:rPr lang="en-US" dirty="0" err="1"/>
-              <a:t>Q.Estimation</a:t>
-            </a:r>
-            <a:r>
-              <a:rPr lang="en-US" dirty="0">
-                <a:solidFill>
-                  <a:srgbClr val="0070C0"/>
-                </a:solidFill>
-              </a:rPr>
-              <a:t>, </a:t>
-            </a:r>
-          </a:p>
-          <a:p>
-            <a:pPr marL="0" indent="0">
-              <a:buNone/>
-            </a:pPr>
-            <a:r>
-              <a:rPr lang="en-US" dirty="0">
-                <a:solidFill>
-                  <a:srgbClr val="0070C0"/>
-                </a:solidFill>
-              </a:rPr>
-              <a:t>	case when </a:t>
-            </a:r>
-            <a:r>
-              <a:rPr lang="en-US" dirty="0" err="1"/>
-              <a:t>Q.Estimation</a:t>
-            </a:r>
-            <a:r>
-              <a:rPr lang="en-US" dirty="0"/>
-              <a:t> </a:t>
-            </a:r>
-            <a:r>
-              <a:rPr lang="en-US" dirty="0">
-                <a:solidFill>
-                  <a:srgbClr val="0070C0"/>
-                </a:solidFill>
-              </a:rPr>
-              <a:t>&gt; </a:t>
-            </a:r>
-            <a:r>
-              <a:rPr lang="en-US" dirty="0">
-                <a:solidFill>
-                  <a:srgbClr val="00B050"/>
-                </a:solidFill>
-              </a:rPr>
-              <a:t>@</a:t>
-            </a:r>
-            <a:r>
-              <a:rPr lang="en-US" dirty="0" err="1">
-                <a:solidFill>
-                  <a:srgbClr val="00B050"/>
-                </a:solidFill>
-              </a:rPr>
-              <a:t>EligibleAmount</a:t>
-            </a:r>
-            <a:r>
-              <a:rPr lang="en-US" dirty="0">
-                <a:solidFill>
-                  <a:srgbClr val="00B050"/>
-                </a:solidFill>
-              </a:rPr>
-              <a:t> </a:t>
-            </a:r>
-            <a:r>
-              <a:rPr lang="en-US" dirty="0">
-                <a:solidFill>
-                  <a:srgbClr val="0070C0"/>
-                </a:solidFill>
-              </a:rPr>
-              <a:t>then </a:t>
-            </a:r>
-            <a:r>
-              <a:rPr lang="en-US" dirty="0">
-                <a:solidFill>
-                  <a:srgbClr val="00B050"/>
-                </a:solidFill>
-              </a:rPr>
-              <a:t>@Discount </a:t>
-            </a:r>
-          </a:p>
-          <a:p>
-            <a:pPr marL="0" indent="0">
-              <a:buNone/>
-            </a:pPr>
-            <a:r>
-              <a:rPr lang="en-US" dirty="0">
-                <a:solidFill>
-                  <a:srgbClr val="00B050"/>
-                </a:solidFill>
-              </a:rPr>
-              <a:t>	         </a:t>
-            </a:r>
-            <a:r>
-              <a:rPr lang="en-US" dirty="0">
-                <a:solidFill>
-                  <a:srgbClr val="0070C0"/>
-                </a:solidFill>
-              </a:rPr>
-              <a:t>else 0 end as </a:t>
-            </a:r>
-            <a:r>
-              <a:rPr lang="en-US" dirty="0"/>
-              <a:t>Discount</a:t>
-            </a:r>
-            <a:r>
-              <a:rPr lang="en-US" dirty="0">
-                <a:solidFill>
-                  <a:srgbClr val="0070C0"/>
-                </a:solidFill>
-              </a:rPr>
-              <a:t>,</a:t>
-            </a:r>
-          </a:p>
-          <a:p>
-            <a:pPr marL="0" indent="0">
-              <a:buNone/>
-            </a:pPr>
-            <a:r>
-              <a:rPr lang="en-US" dirty="0">
-                <a:solidFill>
-                  <a:srgbClr val="0070C0"/>
-                </a:solidFill>
-              </a:rPr>
-              <a:t>	case when </a:t>
-            </a:r>
-            <a:r>
-              <a:rPr lang="en-US" dirty="0" err="1"/>
-              <a:t>Q.Estimation</a:t>
-            </a:r>
-            <a:r>
-              <a:rPr lang="en-US" dirty="0"/>
-              <a:t> </a:t>
-            </a:r>
-            <a:r>
-              <a:rPr lang="en-US" dirty="0">
-                <a:solidFill>
-                  <a:srgbClr val="0070C0"/>
-                </a:solidFill>
-              </a:rPr>
-              <a:t>&gt; </a:t>
-            </a:r>
-            <a:r>
-              <a:rPr lang="en-US" dirty="0">
-                <a:solidFill>
-                  <a:srgbClr val="00B050"/>
-                </a:solidFill>
-              </a:rPr>
-              <a:t>@</a:t>
-            </a:r>
-            <a:r>
-              <a:rPr lang="en-US" dirty="0" err="1">
-                <a:solidFill>
-                  <a:srgbClr val="00B050"/>
-                </a:solidFill>
-              </a:rPr>
-              <a:t>EligibleAmount</a:t>
-            </a:r>
-            <a:r>
-              <a:rPr lang="en-US" dirty="0">
-                <a:solidFill>
-                  <a:srgbClr val="00B050"/>
-                </a:solidFill>
-              </a:rPr>
-              <a:t> </a:t>
-            </a:r>
-            <a:r>
-              <a:rPr lang="en-US" dirty="0">
-                <a:solidFill>
-                  <a:srgbClr val="0070C0"/>
-                </a:solidFill>
-              </a:rPr>
-              <a:t>then </a:t>
-            </a:r>
-            <a:r>
-              <a:rPr lang="en-US" dirty="0" err="1"/>
-              <a:t>Q.Estimation</a:t>
-            </a:r>
-            <a:r>
-              <a:rPr lang="en-US" dirty="0"/>
-              <a:t> </a:t>
-            </a:r>
-            <a:r>
-              <a:rPr lang="en-US" dirty="0">
-                <a:solidFill>
-                  <a:srgbClr val="0070C0"/>
-                </a:solidFill>
-              </a:rPr>
-              <a:t>*(1- </a:t>
-            </a:r>
-            <a:r>
-              <a:rPr lang="en-US" dirty="0">
-                <a:solidFill>
-                  <a:srgbClr val="00B050"/>
-                </a:solidFill>
-              </a:rPr>
-              <a:t>@Discount</a:t>
-            </a:r>
-            <a:r>
-              <a:rPr lang="en-US" dirty="0">
-                <a:solidFill>
-                  <a:srgbClr val="0070C0"/>
-                </a:solidFill>
-              </a:rPr>
-              <a:t>) </a:t>
-            </a:r>
-          </a:p>
-          <a:p>
-            <a:pPr marL="0" indent="0">
-              <a:buNone/>
-            </a:pPr>
-            <a:r>
-              <a:rPr lang="en-US" dirty="0">
-                <a:solidFill>
-                  <a:srgbClr val="0070C0"/>
-                </a:solidFill>
-              </a:rPr>
-              <a:t> 	         else </a:t>
-            </a:r>
-            <a:r>
-              <a:rPr lang="en-US" dirty="0" err="1"/>
-              <a:t>Q.Estimation</a:t>
-            </a:r>
-            <a:r>
-              <a:rPr lang="en-US" dirty="0"/>
-              <a:t> </a:t>
-            </a:r>
-            <a:r>
-              <a:rPr lang="en-US" dirty="0">
-                <a:solidFill>
-                  <a:srgbClr val="0070C0"/>
-                </a:solidFill>
-              </a:rPr>
-              <a:t>end as </a:t>
-            </a:r>
-            <a:r>
-              <a:rPr lang="en-US" dirty="0" err="1"/>
-              <a:t>FinalEstimation</a:t>
-            </a:r>
-            <a:endParaRPr lang="en-US" dirty="0"/>
-          </a:p>
-          <a:p>
-            <a:pPr marL="0" indent="0">
-              <a:buNone/>
-            </a:pPr>
-            <a:r>
-              <a:rPr lang="en-US" dirty="0">
-                <a:solidFill>
-                  <a:srgbClr val="0070C0"/>
-                </a:solidFill>
-              </a:rPr>
-              <a:t>from </a:t>
-            </a:r>
-            <a:r>
-              <a:rPr lang="en-US" dirty="0" err="1"/>
-              <a:t>HomePro.Customers</a:t>
-            </a:r>
-            <a:r>
-              <a:rPr lang="en-US" dirty="0"/>
-              <a:t> C</a:t>
-            </a:r>
-          </a:p>
-          <a:p>
-            <a:pPr marL="0" indent="0">
-              <a:buNone/>
-            </a:pPr>
-            <a:r>
-              <a:rPr lang="en-US" dirty="0">
-                <a:solidFill>
-                  <a:srgbClr val="0070C0"/>
-                </a:solidFill>
-              </a:rPr>
-              <a:t>	join </a:t>
-            </a:r>
-            <a:r>
-              <a:rPr lang="en-US" dirty="0" err="1"/>
-              <a:t>HomePro.Quotes</a:t>
-            </a:r>
-            <a:r>
-              <a:rPr lang="en-US" dirty="0"/>
-              <a:t> Q </a:t>
-            </a:r>
-          </a:p>
-          <a:p>
-            <a:pPr marL="0" indent="0">
-              <a:buNone/>
-            </a:pPr>
-            <a:r>
-              <a:rPr lang="en-US" dirty="0">
-                <a:solidFill>
-                  <a:srgbClr val="0070C0"/>
-                </a:solidFill>
-              </a:rPr>
-              <a:t>	on </a:t>
-            </a:r>
-            <a:r>
-              <a:rPr lang="en-US" dirty="0" err="1"/>
-              <a:t>c.CustomerId</a:t>
-            </a:r>
-            <a:r>
-              <a:rPr lang="en-US" dirty="0"/>
-              <a:t> = </a:t>
-            </a:r>
-            <a:r>
-              <a:rPr lang="en-US" dirty="0" err="1"/>
-              <a:t>Q.CustomerId</a:t>
-            </a:r>
-            <a:endParaRPr lang="en-US" dirty="0"/>
-          </a:p>
-          <a:p>
-            <a:pPr marL="0" indent="0">
-              <a:buNone/>
-            </a:pPr>
-            <a:endParaRPr lang="en-US" dirty="0"/>
-          </a:p>
-        </p:txBody>
-      </p:sp>
-      <p:pic>
-        <p:nvPicPr>
-          <p:cNvPr id="4" name="Picture 3">
-            <a:extLst>
-              <a:ext uri="{FF2B5EF4-FFF2-40B4-BE49-F238E27FC236}">
-                <a16:creationId xmlns:a16="http://schemas.microsoft.com/office/drawing/2014/main" id="{72EFD04D-CC7C-40B6-9E11-5BC14209B3D5}"/>
-              </a:ext>
-            </a:extLst>
-          </p:cNvPr>
-          <p:cNvPicPr>
-            <a:picLocks noChangeAspect="1"/>
-          </p:cNvPicPr>
-          <p:nvPr/>
-        </p:nvPicPr>
-        <p:blipFill>
-          <a:blip r:embed="rId2"/>
-          <a:stretch>
-            <a:fillRect/>
-          </a:stretch>
-        </p:blipFill>
-        <p:spPr>
-          <a:xfrm>
-            <a:off x="7363519" y="1461616"/>
-            <a:ext cx="4057150" cy="1695241"/>
-          </a:xfrm>
-          <a:prstGeom prst="rect">
-            <a:avLst/>
-          </a:prstGeom>
-        </p:spPr>
-      </p:pic>
-    </p:spTree>
-    <p:extLst>
-      <p:ext uri="{BB962C8B-B14F-4D97-AF65-F5344CB8AC3E}">
-        <p14:creationId xmlns:p14="http://schemas.microsoft.com/office/powerpoint/2010/main" val="1040470444"/>
-      </p:ext>
-    </p:extLst>
-  </p:cSld>
-  <p:clrMapOvr>
-    <a:masterClrMapping/>
-  </p:clrMapOvr>
-</p:sld>
-</file>
-
 <file path=ppt/slides/slide2.xml><?xml version="1.0" encoding="utf-8"?>
 <p:sld xmlns:a="http://schemas.openxmlformats.org/drawingml/2006/main" xmlns:r="http://schemas.openxmlformats.org/officeDocument/2006/relationships" xmlns:p="http://schemas.openxmlformats.org/presentationml/2006/main">
   <p:cSld>
@@ -4985,163 +4440,6 @@
           <p:cNvPr id="2" name="Title 1">
             <a:extLst>
               <a:ext uri="{FF2B5EF4-FFF2-40B4-BE49-F238E27FC236}">
-                <a16:creationId xmlns:a16="http://schemas.microsoft.com/office/drawing/2014/main" id="{BE3D8058-7327-483D-9AC6-ABA7C2E2A0AF}"/>
-              </a:ext>
-            </a:extLst>
-          </p:cNvPr>
-          <p:cNvSpPr>
-            <a:spLocks noGrp="1"/>
-          </p:cNvSpPr>
-          <p:nvPr>
-            <p:ph type="title"/>
-          </p:nvPr>
-        </p:nvSpPr>
-        <p:spPr/>
-        <p:txBody>
-          <a:bodyPr/>
-          <a:lstStyle/>
-          <a:p>
-            <a:r>
-              <a:rPr lang="en-US" dirty="0"/>
-              <a:t>How to see the Stored Procedure code.</a:t>
-            </a:r>
-          </a:p>
-        </p:txBody>
-      </p:sp>
-      <p:sp>
-        <p:nvSpPr>
-          <p:cNvPr id="3" name="Content Placeholder 2">
-            <a:extLst>
-              <a:ext uri="{FF2B5EF4-FFF2-40B4-BE49-F238E27FC236}">
-                <a16:creationId xmlns:a16="http://schemas.microsoft.com/office/drawing/2014/main" id="{8A36C3F5-3AB6-4AEC-81BC-0150697A3373}"/>
-              </a:ext>
-            </a:extLst>
-          </p:cNvPr>
-          <p:cNvSpPr>
-            <a:spLocks noGrp="1"/>
-          </p:cNvSpPr>
-          <p:nvPr>
-            <p:ph idx="1"/>
-          </p:nvPr>
-        </p:nvSpPr>
-        <p:spPr/>
-        <p:txBody>
-          <a:bodyPr/>
-          <a:lstStyle/>
-          <a:p>
-            <a:pPr marL="0" indent="0">
-              <a:buNone/>
-            </a:pPr>
-            <a:r>
-              <a:rPr lang="en-US" dirty="0">
-                <a:solidFill>
-                  <a:srgbClr val="0070C0"/>
-                </a:solidFill>
-              </a:rPr>
-              <a:t>exec </a:t>
-            </a:r>
-            <a:r>
-              <a:rPr lang="en-US" dirty="0" err="1">
-                <a:solidFill>
-                  <a:srgbClr val="7030A0"/>
-                </a:solidFill>
-              </a:rPr>
-              <a:t>sp_helptext</a:t>
-            </a:r>
-            <a:r>
-              <a:rPr lang="en-US" dirty="0">
-                <a:solidFill>
-                  <a:srgbClr val="7030A0"/>
-                </a:solidFill>
-              </a:rPr>
-              <a:t> </a:t>
-            </a:r>
-            <a:r>
-              <a:rPr lang="en-US" dirty="0">
-                <a:solidFill>
-                  <a:srgbClr val="0070C0"/>
-                </a:solidFill>
-              </a:rPr>
-              <a:t>[</a:t>
-            </a:r>
-            <a:r>
-              <a:rPr lang="en-US" dirty="0" err="1">
-                <a:solidFill>
-                  <a:srgbClr val="0070C0"/>
-                </a:solidFill>
-              </a:rPr>
-              <a:t>HomePro</a:t>
-            </a:r>
-            <a:r>
-              <a:rPr lang="en-US" err="1">
-                <a:solidFill>
-                  <a:srgbClr val="0070C0"/>
-                </a:solidFill>
-              </a:rPr>
-              <a:t>.</a:t>
-            </a:r>
-            <a:r>
-              <a:rPr lang="en-US">
-                <a:solidFill>
-                  <a:srgbClr val="0070C0"/>
-                </a:solidFill>
-              </a:rPr>
-              <a:t>GetEstimationsWithPercentage</a:t>
-            </a:r>
-            <a:r>
-              <a:rPr lang="en-US" dirty="0" err="1">
-                <a:solidFill>
-                  <a:srgbClr val="0070C0"/>
-                </a:solidFill>
-              </a:rPr>
-              <a:t>_Andrey</a:t>
-            </a:r>
-            <a:r>
-              <a:rPr lang="en-US" dirty="0">
-                <a:solidFill>
-                  <a:srgbClr val="0070C0"/>
-                </a:solidFill>
-              </a:rPr>
-              <a:t>]</a:t>
-            </a:r>
-          </a:p>
-        </p:txBody>
-      </p:sp>
-    </p:spTree>
-    <p:extLst>
-      <p:ext uri="{BB962C8B-B14F-4D97-AF65-F5344CB8AC3E}">
-        <p14:creationId xmlns:p14="http://schemas.microsoft.com/office/powerpoint/2010/main" val="1526253829"/>
-      </p:ext>
-    </p:extLst>
-  </p:cSld>
-  <p:clrMapOvr>
-    <a:masterClrMapping/>
-  </p:clrMapOvr>
-</p:sld>
-</file>
-
-<file path=ppt/slides/slide6.xml><?xml version="1.0" encoding="utf-8"?>
-<p:sld xmlns:a="http://schemas.openxmlformats.org/drawingml/2006/main" xmlns:r="http://schemas.openxmlformats.org/officeDocument/2006/relationships" xmlns:p="http://schemas.openxmlformats.org/presentationml/2006/main">
-  <p:cSld>
-    <p:spTree>
-      <p:nvGrpSpPr>
-        <p:cNvPr id="1" name=""/>
-        <p:cNvGrpSpPr/>
-        <p:nvPr/>
-      </p:nvGrpSpPr>
-      <p:grpSpPr>
-        <a:xfrm>
-          <a:off x="0" y="0"/>
-          <a:ext cx="0" cy="0"/>
-          <a:chOff x="0" y="0"/>
-          <a:chExt cx="0" cy="0"/>
-        </a:xfrm>
-      </p:grpSpPr>
-      <p:sp>
-        <p:nvSpPr>
-          <p:cNvPr id="2" name="Title 1">
-            <a:extLst>
-              <a:ext uri="{FF2B5EF4-FFF2-40B4-BE49-F238E27FC236}">
                 <a16:creationId xmlns:a16="http://schemas.microsoft.com/office/drawing/2014/main" id="{F62051BD-86E1-490D-9423-014AF4B98B91}"/>
               </a:ext>
             </a:extLst>
@@ -5768,7 +5066,7 @@
 </p:sld>
 </file>
 
-<file path=ppt/slides/slide7.xml><?xml version="1.0" encoding="utf-8"?>
+<file path=ppt/slides/slide6.xml><?xml version="1.0" encoding="utf-8"?>
 <p:sld xmlns:a="http://schemas.openxmlformats.org/drawingml/2006/main" xmlns:r="http://schemas.openxmlformats.org/officeDocument/2006/relationships" xmlns:p="http://schemas.openxmlformats.org/presentationml/2006/main">
   <p:cSld>
     <p:spTree>
@@ -6461,1117 +5759,6 @@
     <p:extLst>
       <p:ext uri="{BB962C8B-B14F-4D97-AF65-F5344CB8AC3E}">
         <p14:creationId xmlns:p14="http://schemas.microsoft.com/office/powerpoint/2010/main" val="1373314773"/>
-      </p:ext>
-    </p:extLst>
-  </p:cSld>
-  <p:clrMapOvr>
-    <a:masterClrMapping/>
-  </p:clrMapOvr>
-</p:sld>
-</file>
-
-<file path=ppt/slides/slide8.xml><?xml version="1.0" encoding="utf-8"?>
-<p:sld xmlns:a="http://schemas.openxmlformats.org/drawingml/2006/main" xmlns:r="http://schemas.openxmlformats.org/officeDocument/2006/relationships" xmlns:p="http://schemas.openxmlformats.org/presentationml/2006/main">
-  <p:cSld>
-    <p:spTree>
-      <p:nvGrpSpPr>
-        <p:cNvPr id="1" name=""/>
-        <p:cNvGrpSpPr/>
-        <p:nvPr/>
-      </p:nvGrpSpPr>
-      <p:grpSpPr>
-        <a:xfrm>
-          <a:off x="0" y="0"/>
-          <a:ext cx="0" cy="0"/>
-          <a:chOff x="0" y="0"/>
-          <a:chExt cx="0" cy="0"/>
-        </a:xfrm>
-      </p:grpSpPr>
-      <p:sp>
-        <p:nvSpPr>
-          <p:cNvPr id="2" name="Title 1">
-            <a:extLst>
-              <a:ext uri="{FF2B5EF4-FFF2-40B4-BE49-F238E27FC236}">
-                <a16:creationId xmlns:a16="http://schemas.microsoft.com/office/drawing/2014/main" id="{F8D527C7-9068-4646-A26B-C18426220814}"/>
-              </a:ext>
-            </a:extLst>
-          </p:cNvPr>
-          <p:cNvSpPr>
-            <a:spLocks noGrp="1"/>
-          </p:cNvSpPr>
-          <p:nvPr>
-            <p:ph type="title"/>
-          </p:nvPr>
-        </p:nvSpPr>
-        <p:spPr/>
-        <p:txBody>
-          <a:bodyPr/>
-          <a:lstStyle/>
-          <a:p>
-            <a:r>
-              <a:rPr lang="en-US" dirty="0"/>
-              <a:t>Using variables</a:t>
-            </a:r>
-          </a:p>
-        </p:txBody>
-      </p:sp>
-      <p:sp>
-        <p:nvSpPr>
-          <p:cNvPr id="3" name="Content Placeholder 2">
-            <a:extLst>
-              <a:ext uri="{FF2B5EF4-FFF2-40B4-BE49-F238E27FC236}">
-                <a16:creationId xmlns:a16="http://schemas.microsoft.com/office/drawing/2014/main" id="{3A7F98C9-B6B6-46F6-98B7-AE947304F727}"/>
-              </a:ext>
-            </a:extLst>
-          </p:cNvPr>
-          <p:cNvSpPr>
-            <a:spLocks noGrp="1"/>
-          </p:cNvSpPr>
-          <p:nvPr>
-            <p:ph idx="1"/>
-          </p:nvPr>
-        </p:nvSpPr>
-        <p:spPr/>
-        <p:txBody>
-          <a:bodyPr>
-            <a:normAutofit fontScale="85000" lnSpcReduction="20000"/>
-          </a:bodyPr>
-          <a:lstStyle/>
-          <a:p>
-            <a:pPr marL="0" indent="0">
-              <a:buNone/>
-            </a:pPr>
-            <a:r>
-              <a:rPr lang="en-US" dirty="0">
-                <a:solidFill>
-                  <a:srgbClr val="0000FF"/>
-                </a:solidFill>
-                <a:latin typeface="Consolas" panose="020B0609020204030204" pitchFamily="49" charset="0"/>
-              </a:rPr>
-              <a:t>declare</a:t>
-            </a:r>
-            <a:r>
-              <a:rPr lang="en-US" dirty="0">
-                <a:solidFill>
-                  <a:srgbClr val="000000"/>
-                </a:solidFill>
-                <a:latin typeface="Consolas" panose="020B0609020204030204" pitchFamily="49" charset="0"/>
-              </a:rPr>
-              <a:t> @</a:t>
-            </a:r>
-            <a:r>
-              <a:rPr lang="en-US" dirty="0" err="1">
-                <a:solidFill>
-                  <a:srgbClr val="000000"/>
-                </a:solidFill>
-                <a:latin typeface="Consolas" panose="020B0609020204030204" pitchFamily="49" charset="0"/>
-              </a:rPr>
-              <a:t>TotalEstimation</a:t>
-            </a:r>
-            <a:r>
-              <a:rPr lang="en-US" dirty="0">
-                <a:solidFill>
-                  <a:srgbClr val="000000"/>
-                </a:solidFill>
-                <a:latin typeface="Consolas" panose="020B0609020204030204" pitchFamily="49" charset="0"/>
-              </a:rPr>
-              <a:t> </a:t>
-            </a:r>
-            <a:r>
-              <a:rPr lang="en-US" dirty="0">
-                <a:solidFill>
-                  <a:srgbClr val="0000FF"/>
-                </a:solidFill>
-                <a:latin typeface="Consolas" panose="020B0609020204030204" pitchFamily="49" charset="0"/>
-              </a:rPr>
-              <a:t>numeric</a:t>
-            </a:r>
-            <a:r>
-              <a:rPr lang="en-US" dirty="0">
-                <a:solidFill>
-                  <a:srgbClr val="808080"/>
-                </a:solidFill>
-                <a:latin typeface="Consolas" panose="020B0609020204030204" pitchFamily="49" charset="0"/>
-              </a:rPr>
-              <a:t>(</a:t>
-            </a:r>
-            <a:r>
-              <a:rPr lang="en-US" dirty="0">
-                <a:solidFill>
-                  <a:srgbClr val="000000"/>
-                </a:solidFill>
-                <a:latin typeface="Consolas" panose="020B0609020204030204" pitchFamily="49" charset="0"/>
-              </a:rPr>
-              <a:t>10</a:t>
-            </a:r>
-            <a:r>
-              <a:rPr lang="en-US" dirty="0">
-                <a:solidFill>
-                  <a:srgbClr val="808080"/>
-                </a:solidFill>
-                <a:latin typeface="Consolas" panose="020B0609020204030204" pitchFamily="49" charset="0"/>
-              </a:rPr>
-              <a:t>,</a:t>
-            </a:r>
-            <a:r>
-              <a:rPr lang="en-US" dirty="0">
-                <a:solidFill>
-                  <a:srgbClr val="000000"/>
-                </a:solidFill>
-                <a:latin typeface="Consolas" panose="020B0609020204030204" pitchFamily="49" charset="0"/>
-              </a:rPr>
-              <a:t>2</a:t>
-            </a:r>
-            <a:r>
-              <a:rPr lang="en-US" dirty="0">
-                <a:solidFill>
-                  <a:srgbClr val="808080"/>
-                </a:solidFill>
-                <a:latin typeface="Consolas" panose="020B0609020204030204" pitchFamily="49" charset="0"/>
-              </a:rPr>
-              <a:t>)</a:t>
-            </a:r>
-            <a:r>
-              <a:rPr lang="en-US" dirty="0">
-                <a:solidFill>
-                  <a:srgbClr val="000000"/>
-                </a:solidFill>
-                <a:latin typeface="Consolas" panose="020B0609020204030204" pitchFamily="49" charset="0"/>
-              </a:rPr>
-              <a:t> </a:t>
-            </a:r>
-          </a:p>
-          <a:p>
-            <a:pPr marL="0" indent="0">
-              <a:buNone/>
-            </a:pPr>
-            <a:endParaRPr lang="en-US" dirty="0">
-              <a:solidFill>
-                <a:srgbClr val="000000"/>
-              </a:solidFill>
-              <a:latin typeface="Consolas" panose="020B0609020204030204" pitchFamily="49" charset="0"/>
-            </a:endParaRPr>
-          </a:p>
-          <a:p>
-            <a:pPr marL="0" indent="0">
-              <a:buNone/>
-            </a:pPr>
-            <a:r>
-              <a:rPr lang="en-US" dirty="0">
-                <a:solidFill>
-                  <a:srgbClr val="0000FF"/>
-                </a:solidFill>
-                <a:latin typeface="Consolas" panose="020B0609020204030204" pitchFamily="49" charset="0"/>
-              </a:rPr>
-              <a:t>select</a:t>
-            </a:r>
-            <a:r>
-              <a:rPr lang="en-US" dirty="0">
-                <a:solidFill>
-                  <a:srgbClr val="000000"/>
-                </a:solidFill>
-                <a:latin typeface="Consolas" panose="020B0609020204030204" pitchFamily="49" charset="0"/>
-              </a:rPr>
-              <a:t> @</a:t>
-            </a:r>
-            <a:r>
-              <a:rPr lang="en-US" dirty="0" err="1">
-                <a:solidFill>
-                  <a:srgbClr val="000000"/>
-                </a:solidFill>
-                <a:latin typeface="Consolas" panose="020B0609020204030204" pitchFamily="49" charset="0"/>
-              </a:rPr>
-              <a:t>TotalEstimation</a:t>
-            </a:r>
-            <a:r>
-              <a:rPr lang="en-US" dirty="0">
-                <a:solidFill>
-                  <a:srgbClr val="000000"/>
-                </a:solidFill>
-                <a:latin typeface="Consolas" panose="020B0609020204030204" pitchFamily="49" charset="0"/>
-              </a:rPr>
-              <a:t> </a:t>
-            </a:r>
-            <a:r>
-              <a:rPr lang="en-US" dirty="0">
-                <a:solidFill>
-                  <a:srgbClr val="808080"/>
-                </a:solidFill>
-                <a:latin typeface="Consolas" panose="020B0609020204030204" pitchFamily="49" charset="0"/>
-              </a:rPr>
-              <a:t>=</a:t>
-            </a:r>
-            <a:r>
-              <a:rPr lang="en-US" dirty="0">
-                <a:solidFill>
-                  <a:srgbClr val="000000"/>
-                </a:solidFill>
-                <a:latin typeface="Consolas" panose="020B0609020204030204" pitchFamily="49" charset="0"/>
-              </a:rPr>
-              <a:t> </a:t>
-            </a:r>
-            <a:r>
-              <a:rPr lang="en-US" dirty="0">
-                <a:solidFill>
-                  <a:srgbClr val="FF00FF"/>
-                </a:solidFill>
-                <a:latin typeface="Consolas" panose="020B0609020204030204" pitchFamily="49" charset="0"/>
-              </a:rPr>
-              <a:t>sum</a:t>
-            </a:r>
-            <a:r>
-              <a:rPr lang="en-US" dirty="0">
-                <a:solidFill>
-                  <a:srgbClr val="0000FF"/>
-                </a:solidFill>
-                <a:latin typeface="Consolas" panose="020B0609020204030204" pitchFamily="49" charset="0"/>
-              </a:rPr>
-              <a:t> </a:t>
-            </a:r>
-            <a:r>
-              <a:rPr lang="en-US" dirty="0">
-                <a:solidFill>
-                  <a:srgbClr val="808080"/>
-                </a:solidFill>
-                <a:latin typeface="Consolas" panose="020B0609020204030204" pitchFamily="49" charset="0"/>
-              </a:rPr>
-              <a:t>(</a:t>
-            </a:r>
-            <a:r>
-              <a:rPr lang="en-US" dirty="0">
-                <a:solidFill>
-                  <a:srgbClr val="000000"/>
-                </a:solidFill>
-                <a:latin typeface="Consolas" panose="020B0609020204030204" pitchFamily="49" charset="0"/>
-              </a:rPr>
-              <a:t>Estimation</a:t>
-            </a:r>
-            <a:r>
-              <a:rPr lang="en-US" dirty="0">
-                <a:solidFill>
-                  <a:srgbClr val="808080"/>
-                </a:solidFill>
-                <a:latin typeface="Consolas" panose="020B0609020204030204" pitchFamily="49" charset="0"/>
-              </a:rPr>
-              <a:t>)</a:t>
-            </a:r>
-            <a:r>
-              <a:rPr lang="en-US" dirty="0">
-                <a:solidFill>
-                  <a:srgbClr val="000000"/>
-                </a:solidFill>
-                <a:latin typeface="Consolas" panose="020B0609020204030204" pitchFamily="49" charset="0"/>
-              </a:rPr>
-              <a:t> </a:t>
-            </a:r>
-          </a:p>
-          <a:p>
-            <a:pPr marL="0" indent="0">
-              <a:buNone/>
-            </a:pPr>
-            <a:r>
-              <a:rPr lang="en-US" dirty="0">
-                <a:solidFill>
-                  <a:srgbClr val="0000FF"/>
-                </a:solidFill>
-                <a:latin typeface="Consolas" panose="020B0609020204030204" pitchFamily="49" charset="0"/>
-              </a:rPr>
-              <a:t>from</a:t>
-            </a:r>
-            <a:r>
-              <a:rPr lang="en-US" dirty="0">
-                <a:solidFill>
-                  <a:srgbClr val="000000"/>
-                </a:solidFill>
-                <a:latin typeface="Consolas" panose="020B0609020204030204" pitchFamily="49" charset="0"/>
-              </a:rPr>
-              <a:t> </a:t>
-            </a:r>
-            <a:r>
-              <a:rPr lang="en-US" dirty="0" err="1">
-                <a:solidFill>
-                  <a:srgbClr val="000000"/>
-                </a:solidFill>
-                <a:latin typeface="Consolas" panose="020B0609020204030204" pitchFamily="49" charset="0"/>
-              </a:rPr>
-              <a:t>HomePro</a:t>
-            </a:r>
-            <a:r>
-              <a:rPr lang="en-US" dirty="0" err="1">
-                <a:solidFill>
-                  <a:srgbClr val="808080"/>
-                </a:solidFill>
-                <a:latin typeface="Consolas" panose="020B0609020204030204" pitchFamily="49" charset="0"/>
-              </a:rPr>
-              <a:t>.</a:t>
-            </a:r>
-            <a:r>
-              <a:rPr lang="en-US" dirty="0" err="1">
-                <a:solidFill>
-                  <a:srgbClr val="000000"/>
-                </a:solidFill>
-                <a:latin typeface="Consolas" panose="020B0609020204030204" pitchFamily="49" charset="0"/>
-              </a:rPr>
-              <a:t>Quotes</a:t>
-            </a:r>
-            <a:endParaRPr lang="en-US" dirty="0">
-              <a:solidFill>
-                <a:srgbClr val="000000"/>
-              </a:solidFill>
-              <a:latin typeface="Consolas" panose="020B0609020204030204" pitchFamily="49" charset="0"/>
-            </a:endParaRPr>
-          </a:p>
-          <a:p>
-            <a:pPr marL="0" indent="0">
-              <a:buNone/>
-            </a:pPr>
-            <a:endParaRPr lang="en-US" dirty="0">
-              <a:solidFill>
-                <a:srgbClr val="000000"/>
-              </a:solidFill>
-              <a:latin typeface="Consolas" panose="020B0609020204030204" pitchFamily="49" charset="0"/>
-            </a:endParaRPr>
-          </a:p>
-          <a:p>
-            <a:pPr marL="0" indent="0">
-              <a:buNone/>
-            </a:pPr>
-            <a:r>
-              <a:rPr lang="en-US" dirty="0">
-                <a:solidFill>
-                  <a:srgbClr val="0000FF"/>
-                </a:solidFill>
-                <a:latin typeface="Consolas" panose="020B0609020204030204" pitchFamily="49" charset="0"/>
-              </a:rPr>
-              <a:t>select</a:t>
-            </a:r>
-            <a:r>
-              <a:rPr lang="en-US" dirty="0">
-                <a:solidFill>
-                  <a:srgbClr val="000000"/>
-                </a:solidFill>
-                <a:latin typeface="Consolas" panose="020B0609020204030204" pitchFamily="49" charset="0"/>
-              </a:rPr>
-              <a:t> </a:t>
-            </a:r>
-          </a:p>
-          <a:p>
-            <a:pPr marL="457200" lvl="1" indent="0">
-              <a:buNone/>
-            </a:pPr>
-            <a:r>
-              <a:rPr lang="en-US" dirty="0" err="1">
-                <a:solidFill>
-                  <a:srgbClr val="000000"/>
-                </a:solidFill>
-                <a:latin typeface="Consolas" panose="020B0609020204030204" pitchFamily="49" charset="0"/>
-              </a:rPr>
-              <a:t>Q</a:t>
-            </a:r>
-            <a:r>
-              <a:rPr lang="en-US" dirty="0" err="1">
-                <a:solidFill>
-                  <a:srgbClr val="808080"/>
-                </a:solidFill>
-                <a:latin typeface="Consolas" panose="020B0609020204030204" pitchFamily="49" charset="0"/>
-              </a:rPr>
-              <a:t>.</a:t>
-            </a:r>
-            <a:r>
-              <a:rPr lang="en-US" dirty="0" err="1">
-                <a:solidFill>
-                  <a:srgbClr val="000000"/>
-                </a:solidFill>
-                <a:latin typeface="Consolas" panose="020B0609020204030204" pitchFamily="49" charset="0"/>
-              </a:rPr>
-              <a:t>Estimation</a:t>
-            </a:r>
-            <a:r>
-              <a:rPr lang="en-US" dirty="0">
-                <a:solidFill>
-                  <a:srgbClr val="808080"/>
-                </a:solidFill>
-                <a:latin typeface="Consolas" panose="020B0609020204030204" pitchFamily="49" charset="0"/>
-              </a:rPr>
-              <a:t>,</a:t>
-            </a:r>
-            <a:r>
-              <a:rPr lang="en-US" dirty="0">
-                <a:solidFill>
-                  <a:srgbClr val="000000"/>
-                </a:solidFill>
-                <a:latin typeface="Consolas" panose="020B0609020204030204" pitchFamily="49" charset="0"/>
-              </a:rPr>
-              <a:t> </a:t>
-            </a:r>
-          </a:p>
-          <a:p>
-            <a:pPr marL="457200" lvl="1" indent="0">
-              <a:buNone/>
-            </a:pPr>
-            <a:r>
-              <a:rPr lang="en-US" dirty="0" err="1">
-                <a:solidFill>
-                  <a:srgbClr val="000000"/>
-                </a:solidFill>
-                <a:latin typeface="Consolas" panose="020B0609020204030204" pitchFamily="49" charset="0"/>
-              </a:rPr>
-              <a:t>Q</a:t>
-            </a:r>
-            <a:r>
-              <a:rPr lang="en-US" dirty="0" err="1">
-                <a:solidFill>
-                  <a:srgbClr val="808080"/>
-                </a:solidFill>
-                <a:latin typeface="Consolas" panose="020B0609020204030204" pitchFamily="49" charset="0"/>
-              </a:rPr>
-              <a:t>.</a:t>
-            </a:r>
-            <a:r>
-              <a:rPr lang="en-US" dirty="0" err="1">
-                <a:solidFill>
-                  <a:srgbClr val="000000"/>
-                </a:solidFill>
-                <a:latin typeface="Consolas" panose="020B0609020204030204" pitchFamily="49" charset="0"/>
-              </a:rPr>
-              <a:t>Estimation</a:t>
-            </a:r>
-            <a:r>
-              <a:rPr lang="en-US" dirty="0">
-                <a:solidFill>
-                  <a:srgbClr val="808080"/>
-                </a:solidFill>
-                <a:latin typeface="Consolas" panose="020B0609020204030204" pitchFamily="49" charset="0"/>
-              </a:rPr>
-              <a:t>/</a:t>
-            </a:r>
-            <a:r>
-              <a:rPr lang="en-US" dirty="0">
-                <a:solidFill>
-                  <a:srgbClr val="000000"/>
-                </a:solidFill>
-                <a:latin typeface="Consolas" panose="020B0609020204030204" pitchFamily="49" charset="0"/>
-              </a:rPr>
-              <a:t>@</a:t>
-            </a:r>
-            <a:r>
-              <a:rPr lang="en-US" dirty="0" err="1">
-                <a:solidFill>
-                  <a:srgbClr val="000000"/>
-                </a:solidFill>
-                <a:latin typeface="Consolas" panose="020B0609020204030204" pitchFamily="49" charset="0"/>
-              </a:rPr>
-              <a:t>TotalEstimation</a:t>
-            </a:r>
-            <a:r>
-              <a:rPr lang="en-US" dirty="0">
-                <a:solidFill>
-                  <a:srgbClr val="000000"/>
-                </a:solidFill>
-                <a:latin typeface="Consolas" panose="020B0609020204030204" pitchFamily="49" charset="0"/>
-              </a:rPr>
-              <a:t> </a:t>
-            </a:r>
-            <a:r>
-              <a:rPr lang="en-US" dirty="0">
-                <a:solidFill>
-                  <a:srgbClr val="808080"/>
-                </a:solidFill>
-                <a:latin typeface="Consolas" panose="020B0609020204030204" pitchFamily="49" charset="0"/>
-              </a:rPr>
-              <a:t>*</a:t>
-            </a:r>
-            <a:r>
-              <a:rPr lang="en-US" dirty="0">
-                <a:solidFill>
-                  <a:srgbClr val="000000"/>
-                </a:solidFill>
-                <a:latin typeface="Consolas" panose="020B0609020204030204" pitchFamily="49" charset="0"/>
-              </a:rPr>
-              <a:t> 100 </a:t>
-            </a:r>
-            <a:r>
-              <a:rPr lang="en-US" dirty="0">
-                <a:solidFill>
-                  <a:srgbClr val="0000FF"/>
-                </a:solidFill>
-                <a:latin typeface="Consolas" panose="020B0609020204030204" pitchFamily="49" charset="0"/>
-              </a:rPr>
-              <a:t>as</a:t>
-            </a:r>
-            <a:r>
-              <a:rPr lang="en-US" dirty="0">
-                <a:solidFill>
-                  <a:srgbClr val="000000"/>
-                </a:solidFill>
-                <a:latin typeface="Consolas" panose="020B0609020204030204" pitchFamily="49" charset="0"/>
-              </a:rPr>
-              <a:t> </a:t>
-            </a:r>
-            <a:r>
-              <a:rPr lang="en-US" dirty="0" err="1">
-                <a:solidFill>
-                  <a:srgbClr val="000000"/>
-                </a:solidFill>
-                <a:latin typeface="Consolas" panose="020B0609020204030204" pitchFamily="49" charset="0"/>
-              </a:rPr>
-              <a:t>PercentOfTotal</a:t>
-            </a:r>
-            <a:r>
-              <a:rPr lang="en-US" dirty="0">
-                <a:solidFill>
-                  <a:srgbClr val="808080"/>
-                </a:solidFill>
-                <a:latin typeface="Consolas" panose="020B0609020204030204" pitchFamily="49" charset="0"/>
-              </a:rPr>
-              <a:t>,</a:t>
-            </a:r>
-            <a:r>
-              <a:rPr lang="en-US" dirty="0">
-                <a:solidFill>
-                  <a:srgbClr val="000000"/>
-                </a:solidFill>
-                <a:latin typeface="Consolas" panose="020B0609020204030204" pitchFamily="49" charset="0"/>
-              </a:rPr>
-              <a:t>  @</a:t>
-            </a:r>
-            <a:r>
-              <a:rPr lang="en-US" dirty="0" err="1">
-                <a:solidFill>
-                  <a:srgbClr val="000000"/>
-                </a:solidFill>
-                <a:latin typeface="Consolas" panose="020B0609020204030204" pitchFamily="49" charset="0"/>
-              </a:rPr>
-              <a:t>TotalEstimation</a:t>
-            </a:r>
-            <a:r>
-              <a:rPr lang="en-US" dirty="0">
-                <a:solidFill>
-                  <a:srgbClr val="000000"/>
-                </a:solidFill>
-                <a:latin typeface="Consolas" panose="020B0609020204030204" pitchFamily="49" charset="0"/>
-              </a:rPr>
-              <a:t> </a:t>
-            </a:r>
-            <a:r>
-              <a:rPr lang="en-US" dirty="0">
-                <a:solidFill>
-                  <a:srgbClr val="0000FF"/>
-                </a:solidFill>
-                <a:latin typeface="Consolas" panose="020B0609020204030204" pitchFamily="49" charset="0"/>
-              </a:rPr>
-              <a:t>as</a:t>
-            </a:r>
-            <a:r>
-              <a:rPr lang="en-US" dirty="0">
-                <a:solidFill>
-                  <a:srgbClr val="000000"/>
-                </a:solidFill>
-                <a:latin typeface="Consolas" panose="020B0609020204030204" pitchFamily="49" charset="0"/>
-              </a:rPr>
-              <a:t> </a:t>
-            </a:r>
-            <a:r>
-              <a:rPr lang="en-US" dirty="0" err="1">
-                <a:solidFill>
-                  <a:srgbClr val="000000"/>
-                </a:solidFill>
-                <a:latin typeface="Consolas" panose="020B0609020204030204" pitchFamily="49" charset="0"/>
-              </a:rPr>
-              <a:t>TotalEstimation</a:t>
-            </a:r>
-            <a:endParaRPr lang="en-US" dirty="0">
-              <a:solidFill>
-                <a:srgbClr val="000000"/>
-              </a:solidFill>
-              <a:latin typeface="Consolas" panose="020B0609020204030204" pitchFamily="49" charset="0"/>
-            </a:endParaRPr>
-          </a:p>
-          <a:p>
-            <a:pPr marL="457200" lvl="1" indent="0">
-              <a:buNone/>
-            </a:pPr>
-            <a:endParaRPr lang="en-US" dirty="0">
-              <a:solidFill>
-                <a:srgbClr val="000000"/>
-              </a:solidFill>
-              <a:latin typeface="Consolas" panose="020B0609020204030204" pitchFamily="49" charset="0"/>
-            </a:endParaRPr>
-          </a:p>
-          <a:p>
-            <a:pPr marL="0" indent="0">
-              <a:buNone/>
-            </a:pPr>
-            <a:r>
-              <a:rPr lang="en-US" dirty="0">
-                <a:solidFill>
-                  <a:srgbClr val="0000FF"/>
-                </a:solidFill>
-                <a:latin typeface="Consolas" panose="020B0609020204030204" pitchFamily="49" charset="0"/>
-              </a:rPr>
-              <a:t>from</a:t>
-            </a:r>
-            <a:r>
-              <a:rPr lang="en-US" dirty="0">
-                <a:solidFill>
-                  <a:srgbClr val="000000"/>
-                </a:solidFill>
-                <a:latin typeface="Consolas" panose="020B0609020204030204" pitchFamily="49" charset="0"/>
-              </a:rPr>
-              <a:t> </a:t>
-            </a:r>
-            <a:r>
-              <a:rPr lang="en-US" dirty="0" err="1">
-                <a:solidFill>
-                  <a:srgbClr val="000000"/>
-                </a:solidFill>
-                <a:latin typeface="Consolas" panose="020B0609020204030204" pitchFamily="49" charset="0"/>
-              </a:rPr>
-              <a:t>HomePro</a:t>
-            </a:r>
-            <a:r>
-              <a:rPr lang="en-US" dirty="0" err="1">
-                <a:solidFill>
-                  <a:srgbClr val="808080"/>
-                </a:solidFill>
-                <a:latin typeface="Consolas" panose="020B0609020204030204" pitchFamily="49" charset="0"/>
-              </a:rPr>
-              <a:t>.</a:t>
-            </a:r>
-            <a:r>
-              <a:rPr lang="en-US" dirty="0" err="1">
-                <a:solidFill>
-                  <a:srgbClr val="000000"/>
-                </a:solidFill>
-                <a:latin typeface="Consolas" panose="020B0609020204030204" pitchFamily="49" charset="0"/>
-              </a:rPr>
-              <a:t>Customers</a:t>
-            </a:r>
-            <a:r>
-              <a:rPr lang="en-US" dirty="0">
-                <a:solidFill>
-                  <a:srgbClr val="000000"/>
-                </a:solidFill>
-                <a:latin typeface="Consolas" panose="020B0609020204030204" pitchFamily="49" charset="0"/>
-              </a:rPr>
-              <a:t> C</a:t>
-            </a:r>
-          </a:p>
-          <a:p>
-            <a:pPr marL="457200" lvl="1" indent="0">
-              <a:buNone/>
-            </a:pPr>
-            <a:r>
-              <a:rPr lang="en-US" dirty="0">
-                <a:solidFill>
-                  <a:srgbClr val="808080"/>
-                </a:solidFill>
-                <a:latin typeface="Consolas" panose="020B0609020204030204" pitchFamily="49" charset="0"/>
-              </a:rPr>
-              <a:t>join</a:t>
-            </a:r>
-            <a:r>
-              <a:rPr lang="en-US" dirty="0">
-                <a:solidFill>
-                  <a:srgbClr val="000000"/>
-                </a:solidFill>
-                <a:latin typeface="Consolas" panose="020B0609020204030204" pitchFamily="49" charset="0"/>
-              </a:rPr>
-              <a:t> </a:t>
-            </a:r>
-            <a:r>
-              <a:rPr lang="en-US" dirty="0" err="1">
-                <a:solidFill>
-                  <a:srgbClr val="000000"/>
-                </a:solidFill>
-                <a:latin typeface="Consolas" panose="020B0609020204030204" pitchFamily="49" charset="0"/>
-              </a:rPr>
-              <a:t>HomePro</a:t>
-            </a:r>
-            <a:r>
-              <a:rPr lang="en-US" dirty="0" err="1">
-                <a:solidFill>
-                  <a:srgbClr val="808080"/>
-                </a:solidFill>
-                <a:latin typeface="Consolas" panose="020B0609020204030204" pitchFamily="49" charset="0"/>
-              </a:rPr>
-              <a:t>.</a:t>
-            </a:r>
-            <a:r>
-              <a:rPr lang="en-US" dirty="0" err="1">
-                <a:solidFill>
-                  <a:srgbClr val="000000"/>
-                </a:solidFill>
-                <a:latin typeface="Consolas" panose="020B0609020204030204" pitchFamily="49" charset="0"/>
-              </a:rPr>
-              <a:t>Quotes</a:t>
-            </a:r>
-            <a:r>
-              <a:rPr lang="en-US" dirty="0">
-                <a:solidFill>
-                  <a:srgbClr val="000000"/>
-                </a:solidFill>
-                <a:latin typeface="Consolas" panose="020B0609020204030204" pitchFamily="49" charset="0"/>
-              </a:rPr>
-              <a:t> Q </a:t>
-            </a:r>
-          </a:p>
-          <a:p>
-            <a:pPr marL="457200" lvl="1" indent="0">
-              <a:buNone/>
-            </a:pPr>
-            <a:r>
-              <a:rPr lang="en-US" dirty="0">
-                <a:solidFill>
-                  <a:srgbClr val="0000FF"/>
-                </a:solidFill>
-                <a:latin typeface="Consolas" panose="020B0609020204030204" pitchFamily="49" charset="0"/>
-              </a:rPr>
-              <a:t>on</a:t>
-            </a:r>
-            <a:r>
-              <a:rPr lang="en-US" dirty="0">
-                <a:solidFill>
-                  <a:srgbClr val="000000"/>
-                </a:solidFill>
-                <a:latin typeface="Consolas" panose="020B0609020204030204" pitchFamily="49" charset="0"/>
-              </a:rPr>
-              <a:t> </a:t>
-            </a:r>
-            <a:r>
-              <a:rPr lang="en-US" dirty="0" err="1">
-                <a:solidFill>
-                  <a:srgbClr val="000000"/>
-                </a:solidFill>
-                <a:latin typeface="Consolas" panose="020B0609020204030204" pitchFamily="49" charset="0"/>
-              </a:rPr>
-              <a:t>c</a:t>
-            </a:r>
-            <a:r>
-              <a:rPr lang="en-US" dirty="0" err="1">
-                <a:solidFill>
-                  <a:srgbClr val="808080"/>
-                </a:solidFill>
-                <a:latin typeface="Consolas" panose="020B0609020204030204" pitchFamily="49" charset="0"/>
-              </a:rPr>
-              <a:t>.</a:t>
-            </a:r>
-            <a:r>
-              <a:rPr lang="en-US" dirty="0" err="1">
-                <a:solidFill>
-                  <a:srgbClr val="000000"/>
-                </a:solidFill>
-                <a:latin typeface="Consolas" panose="020B0609020204030204" pitchFamily="49" charset="0"/>
-              </a:rPr>
-              <a:t>CustomerId</a:t>
-            </a:r>
-            <a:r>
-              <a:rPr lang="en-US" dirty="0">
-                <a:solidFill>
-                  <a:srgbClr val="000000"/>
-                </a:solidFill>
-                <a:latin typeface="Consolas" panose="020B0609020204030204" pitchFamily="49" charset="0"/>
-              </a:rPr>
-              <a:t> </a:t>
-            </a:r>
-            <a:r>
-              <a:rPr lang="en-US" dirty="0">
-                <a:solidFill>
-                  <a:srgbClr val="808080"/>
-                </a:solidFill>
-                <a:latin typeface="Consolas" panose="020B0609020204030204" pitchFamily="49" charset="0"/>
-              </a:rPr>
-              <a:t>=</a:t>
-            </a:r>
-            <a:r>
-              <a:rPr lang="en-US" dirty="0">
-                <a:solidFill>
-                  <a:srgbClr val="000000"/>
-                </a:solidFill>
-                <a:latin typeface="Consolas" panose="020B0609020204030204" pitchFamily="49" charset="0"/>
-              </a:rPr>
-              <a:t> </a:t>
-            </a:r>
-            <a:r>
-              <a:rPr lang="en-US" dirty="0" err="1">
-                <a:solidFill>
-                  <a:srgbClr val="000000"/>
-                </a:solidFill>
-                <a:latin typeface="Consolas" panose="020B0609020204030204" pitchFamily="49" charset="0"/>
-              </a:rPr>
-              <a:t>Q</a:t>
-            </a:r>
-            <a:r>
-              <a:rPr lang="en-US" dirty="0" err="1">
-                <a:solidFill>
-                  <a:srgbClr val="808080"/>
-                </a:solidFill>
-                <a:latin typeface="Consolas" panose="020B0609020204030204" pitchFamily="49" charset="0"/>
-              </a:rPr>
-              <a:t>.</a:t>
-            </a:r>
-            <a:r>
-              <a:rPr lang="en-US" dirty="0" err="1">
-                <a:solidFill>
-                  <a:srgbClr val="000000"/>
-                </a:solidFill>
-                <a:latin typeface="Consolas" panose="020B0609020204030204" pitchFamily="49" charset="0"/>
-              </a:rPr>
-              <a:t>CustomerId</a:t>
-            </a:r>
-            <a:endParaRPr lang="en-US" dirty="0"/>
-          </a:p>
-        </p:txBody>
-      </p:sp>
-    </p:spTree>
-    <p:extLst>
-      <p:ext uri="{BB962C8B-B14F-4D97-AF65-F5344CB8AC3E}">
-        <p14:creationId xmlns:p14="http://schemas.microsoft.com/office/powerpoint/2010/main" val="594233590"/>
-      </p:ext>
-    </p:extLst>
-  </p:cSld>
-  <p:clrMapOvr>
-    <a:masterClrMapping/>
-  </p:clrMapOvr>
-</p:sld>
-</file>
-
-<file path=ppt/slides/slide9.xml><?xml version="1.0" encoding="utf-8"?>
-<p:sld xmlns:a="http://schemas.openxmlformats.org/drawingml/2006/main" xmlns:r="http://schemas.openxmlformats.org/officeDocument/2006/relationships" xmlns:p="http://schemas.openxmlformats.org/presentationml/2006/main">
-  <p:cSld>
-    <p:spTree>
-      <p:nvGrpSpPr>
-        <p:cNvPr id="1" name=""/>
-        <p:cNvGrpSpPr/>
-        <p:nvPr/>
-      </p:nvGrpSpPr>
-      <p:grpSpPr>
-        <a:xfrm>
-          <a:off x="0" y="0"/>
-          <a:ext cx="0" cy="0"/>
-          <a:chOff x="0" y="0"/>
-          <a:chExt cx="0" cy="0"/>
-        </a:xfrm>
-      </p:grpSpPr>
-      <p:sp>
-        <p:nvSpPr>
-          <p:cNvPr id="2" name="Title 1">
-            <a:extLst>
-              <a:ext uri="{FF2B5EF4-FFF2-40B4-BE49-F238E27FC236}">
-                <a16:creationId xmlns:a16="http://schemas.microsoft.com/office/drawing/2014/main" id="{A5CB0E28-AD0C-467E-92F7-59BF46345374}"/>
-              </a:ext>
-            </a:extLst>
-          </p:cNvPr>
-          <p:cNvSpPr>
-            <a:spLocks noGrp="1"/>
-          </p:cNvSpPr>
-          <p:nvPr>
-            <p:ph type="title"/>
-          </p:nvPr>
-        </p:nvSpPr>
-        <p:spPr/>
-        <p:txBody>
-          <a:bodyPr/>
-          <a:lstStyle/>
-          <a:p>
-            <a:r>
-              <a:rPr lang="en-US" dirty="0"/>
-              <a:t>Calculate result base on conditions:</a:t>
-            </a:r>
-            <a:br>
-              <a:rPr lang="en-US" dirty="0"/>
-            </a:br>
-            <a:r>
-              <a:rPr lang="en-US" b="1" dirty="0"/>
-              <a:t>CASE expression</a:t>
-            </a:r>
-          </a:p>
-        </p:txBody>
-      </p:sp>
-      <p:sp>
-        <p:nvSpPr>
-          <p:cNvPr id="3" name="Content Placeholder 2">
-            <a:extLst>
-              <a:ext uri="{FF2B5EF4-FFF2-40B4-BE49-F238E27FC236}">
-                <a16:creationId xmlns:a16="http://schemas.microsoft.com/office/drawing/2014/main" id="{A759527B-DE27-4C70-9AAA-76126A9135BB}"/>
-              </a:ext>
-            </a:extLst>
-          </p:cNvPr>
-          <p:cNvSpPr>
-            <a:spLocks noGrp="1"/>
-          </p:cNvSpPr>
-          <p:nvPr>
-            <p:ph idx="1"/>
-          </p:nvPr>
-        </p:nvSpPr>
-        <p:spPr/>
-        <p:txBody>
-          <a:bodyPr/>
-          <a:lstStyle/>
-          <a:p>
-            <a:pPr marL="0" indent="0">
-              <a:buNone/>
-            </a:pPr>
-            <a:r>
-              <a:rPr lang="en-US" dirty="0">
-                <a:solidFill>
-                  <a:srgbClr val="0070C0"/>
-                </a:solidFill>
-              </a:rPr>
-              <a:t>CASE </a:t>
-            </a:r>
-          </a:p>
-          <a:p>
-            <a:pPr marL="0" indent="0">
-              <a:buNone/>
-            </a:pPr>
-            <a:r>
-              <a:rPr lang="en-US" dirty="0">
-                <a:solidFill>
-                  <a:srgbClr val="0070C0"/>
-                </a:solidFill>
-              </a:rPr>
-              <a:t>	WHEN </a:t>
-            </a:r>
-            <a:r>
-              <a:rPr lang="en-US" dirty="0" err="1">
-                <a:solidFill>
-                  <a:srgbClr val="0070C0"/>
-                </a:solidFill>
-              </a:rPr>
-              <a:t>Boolean_expression</a:t>
-            </a:r>
-            <a:r>
-              <a:rPr lang="en-US" dirty="0">
-                <a:solidFill>
-                  <a:srgbClr val="0070C0"/>
-                </a:solidFill>
-              </a:rPr>
-              <a:t> THEN </a:t>
-            </a:r>
-            <a:r>
-              <a:rPr lang="en-US" dirty="0" err="1">
-                <a:solidFill>
-                  <a:srgbClr val="0070C0"/>
-                </a:solidFill>
-              </a:rPr>
-              <a:t>result_expression</a:t>
-            </a:r>
-            <a:r>
-              <a:rPr lang="en-US" dirty="0">
-                <a:solidFill>
-                  <a:srgbClr val="0070C0"/>
-                </a:solidFill>
-              </a:rPr>
-              <a:t> </a:t>
-            </a:r>
-          </a:p>
-          <a:p>
-            <a:pPr marL="0" indent="0">
-              <a:buNone/>
-            </a:pPr>
-            <a:r>
-              <a:rPr lang="en-US" dirty="0">
-                <a:solidFill>
-                  <a:srgbClr val="0070C0"/>
-                </a:solidFill>
-              </a:rPr>
-              <a:t>	[WHEN </a:t>
-            </a:r>
-            <a:r>
-              <a:rPr lang="en-US" dirty="0" err="1">
-                <a:solidFill>
-                  <a:srgbClr val="0070C0"/>
-                </a:solidFill>
-              </a:rPr>
-              <a:t>Boolean_expression</a:t>
-            </a:r>
-            <a:r>
-              <a:rPr lang="en-US" dirty="0">
-                <a:solidFill>
-                  <a:srgbClr val="0070C0"/>
-                </a:solidFill>
-              </a:rPr>
-              <a:t> THEN </a:t>
-            </a:r>
-            <a:r>
-              <a:rPr lang="en-US" dirty="0" err="1">
-                <a:solidFill>
-                  <a:srgbClr val="0070C0"/>
-                </a:solidFill>
-              </a:rPr>
-              <a:t>result_expression</a:t>
-            </a:r>
-            <a:r>
-              <a:rPr lang="en-US" dirty="0">
-                <a:solidFill>
-                  <a:srgbClr val="0070C0"/>
-                </a:solidFill>
-              </a:rPr>
-              <a:t>]</a:t>
-            </a:r>
-          </a:p>
-          <a:p>
-            <a:pPr marL="0" indent="0">
-              <a:buNone/>
-            </a:pPr>
-            <a:r>
-              <a:rPr lang="en-US" dirty="0">
-                <a:solidFill>
-                  <a:srgbClr val="0070C0"/>
-                </a:solidFill>
-              </a:rPr>
-              <a:t>	[ ...n ] </a:t>
-            </a:r>
-          </a:p>
-          <a:p>
-            <a:pPr marL="0" indent="0">
-              <a:buNone/>
-            </a:pPr>
-            <a:r>
-              <a:rPr lang="en-US" dirty="0">
-                <a:solidFill>
-                  <a:srgbClr val="0070C0"/>
-                </a:solidFill>
-              </a:rPr>
-              <a:t>	[ ELSE </a:t>
-            </a:r>
-            <a:r>
-              <a:rPr lang="en-US" dirty="0" err="1">
-                <a:solidFill>
-                  <a:srgbClr val="0070C0"/>
-                </a:solidFill>
-              </a:rPr>
-              <a:t>else_result_expression</a:t>
-            </a:r>
-            <a:r>
-              <a:rPr lang="en-US" dirty="0">
-                <a:solidFill>
-                  <a:srgbClr val="0070C0"/>
-                </a:solidFill>
-              </a:rPr>
-              <a:t> ] </a:t>
-            </a:r>
-          </a:p>
-          <a:p>
-            <a:pPr marL="0" indent="0">
-              <a:buNone/>
-            </a:pPr>
-            <a:r>
-              <a:rPr lang="en-US" dirty="0">
-                <a:solidFill>
-                  <a:srgbClr val="0070C0"/>
-                </a:solidFill>
-              </a:rPr>
-              <a:t>END </a:t>
-            </a:r>
-          </a:p>
-        </p:txBody>
-      </p:sp>
-    </p:spTree>
-    <p:extLst>
-      <p:ext uri="{BB962C8B-B14F-4D97-AF65-F5344CB8AC3E}">
-        <p14:creationId xmlns:p14="http://schemas.microsoft.com/office/powerpoint/2010/main" val="894883264"/>
       </p:ext>
     </p:extLst>
   </p:cSld>
